--- a/bcggamma_ppt.pptx
+++ b/bcggamma_ppt.pptx
@@ -4118,11 +4118,7 @@
             </a:pPr>
             <a:r>
               <a:rPr lang="en-US" sz="1800" dirty="0" smtClean="0"/>
-              <a:t>With actual consumption following a similar trend to forecasted consumption, a churn issue proves to be bad news for </a:t>
-            </a:r>
-            <a:r>
-              <a:rPr lang="en-US" sz="1800" dirty="0" err="1" smtClean="0"/>
-              <a:t>PowerCo</a:t>
+              <a:t>With actual consumption following a similar trend to forecasted consumption, a recognized churn issue in the future means lower actual future consumption</a:t>
             </a:r>
             <a:endParaRPr lang="en-US" sz="1800" dirty="0"/>
           </a:p>
@@ -4469,7 +4465,7 @@
           <p:nvPr>
             <p:extLst>
               <p:ext uri="{D42A27DB-BD31-4B8C-83A1-F6EECF244321}">
-                <p14:modId xmlns:p14="http://schemas.microsoft.com/office/powerpoint/2010/main" val="1235194182"/>
+                <p14:modId xmlns:p14="http://schemas.microsoft.com/office/powerpoint/2010/main" val="3640676590"/>
               </p:ext>
             </p:extLst>
           </p:nvPr>
@@ -4485,12 +4481,12 @@
                 <a:tableStyleId>{2D5ABB26-0587-4C30-8999-92F81FD0307C}</a:tableStyleId>
               </a:tblPr>
               <a:tblGrid>
-                <a:gridCol w="1371600"/>
-                <a:gridCol w="1371600"/>
-                <a:gridCol w="1371600"/>
-                <a:gridCol w="1371600"/>
-                <a:gridCol w="1371600"/>
-                <a:gridCol w="1371600"/>
+                <a:gridCol w="1113171"/>
+                <a:gridCol w="1092433"/>
+                <a:gridCol w="1242642"/>
+                <a:gridCol w="1761547"/>
+                <a:gridCol w="1283608"/>
+                <a:gridCol w="1736199"/>
               </a:tblGrid>
               <a:tr h="370840">
                 <a:tc>
@@ -4829,7 +4825,7 @@
                       </a:r>
                       <a:r>
                         <a:rPr lang="en-US" sz="1600" baseline="0" dirty="0" smtClean="0"/>
-                        <a:t> and biases of estimators</a:t>
+                        <a:t> and biases of estimators, which is important due to high variance in data</a:t>
                       </a:r>
                       <a:endParaRPr lang="en-US" sz="1600" dirty="0"/>
                     </a:p>
@@ -4881,11 +4877,7 @@
                     <a:p>
                       <a:r>
                         <a:rPr lang="en-US" sz="1600" dirty="0" smtClean="0"/>
-                        <a:t>Adds higher weights to better performers and get</a:t>
-                      </a:r>
-                      <a:r>
-                        <a:rPr lang="en-US" sz="1600" baseline="0" dirty="0" smtClean="0"/>
-                        <a:t>s weighted final</a:t>
+                        <a:t>Accounts for anomalies and outliers in the dataset by weighing classifiers based on performance</a:t>
                       </a:r>
                       <a:endParaRPr lang="en-US" sz="1600" dirty="0"/>
                     </a:p>
@@ -5283,7 +5275,7 @@
             </a:pPr>
             <a:r>
               <a:rPr lang="en-US" sz="1400" dirty="0" smtClean="0"/>
-              <a:t>High price elasticity product, due to high importance to net margin and gross margin. Follows SME head’s view of customer defects to competitors</a:t>
+              <a:t>Seems to have a high price elasticity, due to high importance to net margin and gross margin. This clearly follows the SME head’s view of customer defects to competitors</a:t>
             </a:r>
           </a:p>
           <a:p>
@@ -5294,7 +5286,7 @@
             </a:pPr>
             <a:r>
               <a:rPr lang="en-US" sz="1400" dirty="0" smtClean="0"/>
-              <a:t>Contracts activated towards the end of the dataset timeline are more likely to result in customers churning. Maybe due to changes in market landscape such as increase in competition due to liberalization of European energy market</a:t>
+              <a:t>Contracts activated towards the end of the dataset timeline are more likely to result in customers churning. This may be due to changes in market landscape, such as increase in competition due to liberalization of European energy market</a:t>
             </a:r>
           </a:p>
           <a:p>
@@ -5308,12 +5300,12 @@
               <a:t>The electricity campaign represented by </a:t>
             </a:r>
             <a:r>
-              <a:rPr lang="en-US" sz="1400" dirty="0" err="1"/>
+              <a:rPr lang="en-US" sz="1400" u="sng" dirty="0" err="1"/>
               <a:t>lxidpiddsbxsbosboudacockeimpuepw</a:t>
             </a:r>
             <a:r>
               <a:rPr lang="en-US" sz="1400" dirty="0" smtClean="0"/>
-              <a:t> has not performed well. Issues related to transparency of campaign details, lack of engagement</a:t>
+              <a:t> has not performed well. We could look into issues related to transparency of campaign details, and levels of customer engagement</a:t>
             </a:r>
           </a:p>
           <a:p>
@@ -5934,7 +5926,7 @@
         </p:blipFill>
         <p:spPr>
           <a:xfrm>
-            <a:off x="95585" y="3622168"/>
+            <a:off x="95585" y="3936233"/>
             <a:ext cx="9080849" cy="2798064"/>
           </a:xfrm>
           <a:prstGeom prst="rect">
@@ -5950,23 +5942,48 @@
         </p:nvSpPr>
         <p:spPr>
           <a:xfrm>
-            <a:off x="7264675" y="3349068"/>
-            <a:ext cx="1734236" cy="1261884"/>
+            <a:off x="7075463" y="1984762"/>
+            <a:ext cx="1937104" cy="4074962"/>
           </a:xfrm>
           <a:prstGeom prst="rect">
             <a:avLst/>
           </a:prstGeom>
-          <a:noFill/>
+          <a:solidFill>
+            <a:schemeClr val="bg1"/>
+          </a:solidFill>
         </p:spPr>
         <p:txBody>
-          <a:bodyPr wrap="square" rtlCol="0">
+          <a:bodyPr wrap="square" rtlCol="0" anchor="ctr">
             <a:spAutoFit/>
           </a:bodyPr>
           <a:lstStyle/>
           <a:p>
-            <a:pPr algn="ctr"/>
-            <a:r>
-              <a:rPr lang="en-US" sz="1600" dirty="0" smtClean="0">
+            <a:pPr>
+              <a:lnSpc>
+                <a:spcPct val="120000"/>
+              </a:lnSpc>
+            </a:pPr>
+            <a:r>
+              <a:rPr lang="en-US" sz="1200" dirty="0" smtClean="0"/>
+              <a:t>The correlation between overall subscribed power and electricity consumption:</a:t>
+            </a:r>
+          </a:p>
+          <a:p>
+            <a:pPr>
+              <a:lnSpc>
+                <a:spcPct val="120000"/>
+              </a:lnSpc>
+            </a:pPr>
+            <a:endParaRPr lang="en-US" sz="1200" dirty="0" smtClean="0"/>
+          </a:p>
+          <a:p>
+            <a:pPr>
+              <a:lnSpc>
+                <a:spcPct val="120000"/>
+              </a:lnSpc>
+            </a:pPr>
+            <a:r>
+              <a:rPr lang="en-US" sz="1200" dirty="0" smtClean="0">
                 <a:solidFill>
                   <a:srgbClr val="3366FF"/>
                 </a:solidFill>
@@ -5975,31 +5992,121 @@
             </a:r>
           </a:p>
           <a:p>
-            <a:pPr algn="ctr"/>
-            <a:endParaRPr lang="en-US" sz="1200" dirty="0" smtClean="0">
-              <a:solidFill>
-                <a:srgbClr val="3366FF"/>
-              </a:solidFill>
-            </a:endParaRPr>
-          </a:p>
-          <a:p>
-            <a:pPr algn="ctr"/>
-            <a:r>
-              <a:rPr lang="en-US" sz="1600" dirty="0" smtClean="0">
+            <a:pPr>
+              <a:lnSpc>
+                <a:spcPct val="120000"/>
+              </a:lnSpc>
+            </a:pPr>
+            <a:r>
+              <a:rPr lang="en-US" sz="1200" dirty="0" smtClean="0">
                 <a:solidFill>
                   <a:srgbClr val="3366FF"/>
                 </a:solidFill>
               </a:rPr>
               <a:t>Kendall correlation = 0.282</a:t>
             </a:r>
-            <a:endParaRPr lang="en-US" sz="1600" dirty="0">
-              <a:solidFill>
-                <a:srgbClr val="3366FF"/>
-              </a:solidFill>
-            </a:endParaRPr>
-          </a:p>
-        </p:txBody>
-      </p:sp>
+          </a:p>
+          <a:p>
+            <a:pPr>
+              <a:lnSpc>
+                <a:spcPct val="120000"/>
+              </a:lnSpc>
+            </a:pPr>
+            <a:endParaRPr lang="en-US" sz="1200" dirty="0"/>
+          </a:p>
+          <a:p>
+            <a:pPr>
+              <a:lnSpc>
+                <a:spcPct val="120000"/>
+              </a:lnSpc>
+            </a:pPr>
+            <a:r>
+              <a:rPr lang="en-US" sz="1200" dirty="0" smtClean="0"/>
+              <a:t>This shows a weak positive correlation, and one that is not strong enough to consider resources spent to increase subscribed power in order to drive consumption</a:t>
+            </a:r>
+          </a:p>
+          <a:p>
+            <a:pPr>
+              <a:lnSpc>
+                <a:spcPct val="120000"/>
+              </a:lnSpc>
+            </a:pPr>
+            <a:endParaRPr lang="en-US" sz="1200" dirty="0"/>
+          </a:p>
+          <a:p>
+            <a:pPr>
+              <a:lnSpc>
+                <a:spcPct val="120000"/>
+              </a:lnSpc>
+            </a:pPr>
+            <a:r>
+              <a:rPr lang="en-US" sz="1200" dirty="0" smtClean="0"/>
+              <a:t>These graphs show the correlations broken down by sales channels and electricity campaigns</a:t>
+            </a:r>
+            <a:endParaRPr lang="en-US" sz="1200" dirty="0"/>
+          </a:p>
+        </p:txBody>
+      </p:sp>
+      <p:pic>
+        <p:nvPicPr>
+          <p:cNvPr id="7" name="Picture 6" descr="Screen Shot 2017-12-05 at 17.47.56.png"/>
+          <p:cNvPicPr>
+            <a:picLocks noChangeAspect="1"/>
+          </p:cNvPicPr>
+          <p:nvPr/>
+        </p:nvPicPr>
+        <p:blipFill>
+          <a:blip r:embed="rId4">
+            <a:extLst>
+              <a:ext uri="{28A0092B-C50C-407E-A947-70E740481C1C}">
+                <a14:useLocalDpi xmlns:a14="http://schemas.microsoft.com/office/drawing/2010/main" val="0"/>
+              </a:ext>
+            </a:extLst>
+          </a:blip>
+          <a:stretch>
+            <a:fillRect/>
+          </a:stretch>
+        </p:blipFill>
+        <p:spPr>
+          <a:xfrm>
+            <a:off x="5257330" y="1748170"/>
+            <a:ext cx="1489324" cy="941778"/>
+          </a:xfrm>
+          <a:prstGeom prst="rect">
+            <a:avLst/>
+          </a:prstGeom>
+        </p:spPr>
+      </p:pic>
+      <p:pic>
+        <p:nvPicPr>
+          <p:cNvPr id="8" name="Picture 7" descr="Screen Shot 2017-12-05 at 17.48.01.png"/>
+          <p:cNvPicPr>
+            <a:picLocks noChangeAspect="1"/>
+          </p:cNvPicPr>
+          <p:nvPr/>
+        </p:nvPicPr>
+        <p:blipFill>
+          <a:blip r:embed="rId5">
+            <a:extLst>
+              <a:ext uri="{28A0092B-C50C-407E-A947-70E740481C1C}">
+                <a14:useLocalDpi xmlns:a14="http://schemas.microsoft.com/office/drawing/2010/main" val="0"/>
+              </a:ext>
+            </a:extLst>
+          </a:blip>
+          <a:stretch>
+            <a:fillRect/>
+          </a:stretch>
+        </p:blipFill>
+        <p:spPr>
+          <a:xfrm>
+            <a:off x="5257330" y="4232933"/>
+            <a:ext cx="1490472" cy="876933"/>
+          </a:xfrm>
+          <a:prstGeom prst="rect">
+            <a:avLst/>
+          </a:prstGeom>
+        </p:spPr>
+      </p:pic>
     </p:spTree>
     <p:extLst>
       <p:ext uri="{BB962C8B-B14F-4D97-AF65-F5344CB8AC3E}">
@@ -6087,36 +6194,6 @@
           </a:p>
         </p:txBody>
       </p:sp>
-      <p:pic>
-        <p:nvPicPr>
-          <p:cNvPr id="6" name="Picture 5" descr="Screen Shot 2017-12-05 at 14.47.43.png"/>
-          <p:cNvPicPr>
-            <a:picLocks noChangeAspect="1"/>
-          </p:cNvPicPr>
-          <p:nvPr/>
-        </p:nvPicPr>
-        <p:blipFill>
-          <a:blip r:embed="rId2">
-            <a:extLst>
-              <a:ext uri="{28A0092B-C50C-407E-A947-70E740481C1C}">
-                <a14:useLocalDpi xmlns:a14="http://schemas.microsoft.com/office/drawing/2010/main" val="0"/>
-              </a:ext>
-            </a:extLst>
-          </a:blip>
-          <a:stretch>
-            <a:fillRect/>
-          </a:stretch>
-        </p:blipFill>
-        <p:spPr>
-          <a:xfrm>
-            <a:off x="531801" y="1417638"/>
-            <a:ext cx="4356821" cy="5454022"/>
-          </a:xfrm>
-          <a:prstGeom prst="rect">
-            <a:avLst/>
-          </a:prstGeom>
-        </p:spPr>
-      </p:pic>
       <p:sp>
         <p:nvSpPr>
           <p:cNvPr id="3" name="Content Placeholder 2"/>
@@ -6212,7 +6289,7 @@
           <p:nvPr/>
         </p:nvPicPr>
         <p:blipFill>
-          <a:blip r:embed="rId3">
+          <a:blip r:embed="rId2">
             <a:extLst>
               <a:ext uri="{28A0092B-C50C-407E-A947-70E740481C1C}">
                 <a14:useLocalDpi xmlns:a14="http://schemas.microsoft.com/office/drawing/2010/main" val="0"/>
@@ -6270,6 +6347,96 @@
           </a:p>
         </p:txBody>
       </p:sp>
+      <p:pic>
+        <p:nvPicPr>
+          <p:cNvPr id="10" name="Picture 9" descr="Screen Shot 2017-12-05 at 17.38.30.png"/>
+          <p:cNvPicPr>
+            <a:picLocks noChangeAspect="1"/>
+          </p:cNvPicPr>
+          <p:nvPr/>
+        </p:nvPicPr>
+        <p:blipFill>
+          <a:blip r:embed="rId3">
+            <a:extLst>
+              <a:ext uri="{28A0092B-C50C-407E-A947-70E740481C1C}">
+                <a14:useLocalDpi xmlns:a14="http://schemas.microsoft.com/office/drawing/2010/main" val="0"/>
+              </a:ext>
+            </a:extLst>
+          </a:blip>
+          <a:stretch>
+            <a:fillRect/>
+          </a:stretch>
+        </p:blipFill>
+        <p:spPr>
+          <a:xfrm>
+            <a:off x="457201" y="1355608"/>
+            <a:ext cx="3216104" cy="1812249"/>
+          </a:xfrm>
+          <a:prstGeom prst="rect">
+            <a:avLst/>
+          </a:prstGeom>
+        </p:spPr>
+      </p:pic>
+      <p:pic>
+        <p:nvPicPr>
+          <p:cNvPr id="11" name="Picture 10" descr="Screen Shot 2017-12-05 at 17.38.39.png"/>
+          <p:cNvPicPr>
+            <a:picLocks noChangeAspect="1"/>
+          </p:cNvPicPr>
+          <p:nvPr/>
+        </p:nvPicPr>
+        <p:blipFill>
+          <a:blip r:embed="rId4">
+            <a:extLst>
+              <a:ext uri="{28A0092B-C50C-407E-A947-70E740481C1C}">
+                <a14:useLocalDpi xmlns:a14="http://schemas.microsoft.com/office/drawing/2010/main" val="0"/>
+              </a:ext>
+            </a:extLst>
+          </a:blip>
+          <a:stretch>
+            <a:fillRect/>
+          </a:stretch>
+        </p:blipFill>
+        <p:spPr>
+          <a:xfrm>
+            <a:off x="457201" y="3224601"/>
+            <a:ext cx="3898874" cy="1744892"/>
+          </a:xfrm>
+          <a:prstGeom prst="rect">
+            <a:avLst/>
+          </a:prstGeom>
+        </p:spPr>
+      </p:pic>
+      <p:pic>
+        <p:nvPicPr>
+          <p:cNvPr id="12" name="Picture 11" descr="Screen Shot 2017-12-05 at 17.38.48.png"/>
+          <p:cNvPicPr>
+            <a:picLocks noChangeAspect="1"/>
+          </p:cNvPicPr>
+          <p:nvPr/>
+        </p:nvPicPr>
+        <p:blipFill>
+          <a:blip r:embed="rId5">
+            <a:extLst>
+              <a:ext uri="{28A0092B-C50C-407E-A947-70E740481C1C}">
+                <a14:useLocalDpi xmlns:a14="http://schemas.microsoft.com/office/drawing/2010/main" val="0"/>
+              </a:ext>
+            </a:extLst>
+          </a:blip>
+          <a:stretch>
+            <a:fillRect/>
+          </a:stretch>
+        </p:blipFill>
+        <p:spPr>
+          <a:xfrm>
+            <a:off x="457200" y="5079495"/>
+            <a:ext cx="1491066" cy="1505613"/>
+          </a:xfrm>
+          <a:prstGeom prst="rect">
+            <a:avLst/>
+          </a:prstGeom>
+        </p:spPr>
+      </p:pic>
     </p:spTree>
     <p:extLst>
       <p:ext uri="{BB962C8B-B14F-4D97-AF65-F5344CB8AC3E}">
@@ -6367,10 +6534,15 @@
             <p:ph idx="1"/>
           </p:nvPr>
         </p:nvSpPr>
-        <p:spPr/>
+        <p:spPr>
+          <a:xfrm>
+            <a:off x="457200" y="1600200"/>
+            <a:ext cx="8229600" cy="4994950"/>
+          </a:xfrm>
+        </p:spPr>
         <p:txBody>
           <a:bodyPr>
-            <a:normAutofit lnSpcReduction="10000"/>
+            <a:normAutofit fontScale="92500"/>
           </a:bodyPr>
           <a:lstStyle/>
           <a:p>
@@ -6411,7 +6583,7 @@
             </a:pPr>
             <a:r>
               <a:rPr lang="en-US" sz="1800" dirty="0" smtClean="0"/>
-              <a:t>I would also look at the average time between date of activation and renewal of contracts for both churned and non-churned customers. Through this, we can infer the timeline before trying to engage with customers.</a:t>
+              <a:t>I would also look at the average time between date of activation and renewal of contracts for both churned and non-churned customers. Through this, we can infer a timeline of customer engagement, which can be used alongside proven campaigns.</a:t>
             </a:r>
           </a:p>
           <a:p>
@@ -6461,7 +6633,7 @@
             </a:pPr>
             <a:r>
               <a:rPr lang="en-US" sz="1800" dirty="0" smtClean="0"/>
-              <a:t>I would use more classifiers in an attempt to get a better accuracy on the training data, and potentially develop a neural network to provide more efficient and accurate results.</a:t>
+              <a:t>Although my classifiers worked well, I would use more classifiers, such as Naïve Bayes to look at the correlation between training features in an attempt to get a better accuracy on the training data. I can potentially develop a neural network to provide more efficient and accurate results.</a:t>
             </a:r>
             <a:endParaRPr lang="en-US" sz="1800" dirty="0"/>
           </a:p>

--- a/bcggamma_ppt.pptx
+++ b/bcggamma_ppt.pptx
@@ -3558,14 +3558,46 @@
           </a:xfrm>
         </p:spPr>
         <p:txBody>
-          <a:bodyPr/>
+          <a:bodyPr>
+            <a:normAutofit fontScale="90000"/>
+          </a:bodyPr>
           <a:lstStyle/>
           <a:p>
             <a:r>
+              <a:rPr lang="en-US" b="1" dirty="0" smtClean="0"/>
+              <a:t>BCG Gamma </a:t>
+            </a:r>
+            <a:r>
               <a:rPr lang="en-US" dirty="0" smtClean="0"/>
-              <a:t>BCG Gamma Technical Challenge PowerCo_v5</a:t>
-            </a:r>
-            <a:endParaRPr lang="en-US" dirty="0"/>
+              <a:t/>
+            </a:r>
+            <a:br>
+              <a:rPr lang="en-US" dirty="0" smtClean="0"/>
+            </a:br>
+            <a:r>
+              <a:rPr lang="en-US" dirty="0" smtClean="0"/>
+              <a:t>Technical Challenge </a:t>
+            </a:r>
+            <a:br>
+              <a:rPr lang="en-US" dirty="0" smtClean="0"/>
+            </a:br>
+            <a:r>
+              <a:rPr lang="en-US" dirty="0" smtClean="0">
+                <a:solidFill>
+                  <a:schemeClr val="bg1">
+                    <a:lumMod val="65000"/>
+                  </a:schemeClr>
+                </a:solidFill>
+              </a:rPr>
+              <a:t>PowerCo_v5</a:t>
+            </a:r>
+            <a:endParaRPr lang="en-US" dirty="0">
+              <a:solidFill>
+                <a:schemeClr val="bg1">
+                  <a:lumMod val="65000"/>
+                </a:schemeClr>
+              </a:solidFill>
+            </a:endParaRPr>
           </a:p>
         </p:txBody>
       </p:sp>
@@ -3747,11 +3779,6 @@
               </a:rPr>
               <a:t>For columns, we do not know whether an empty cell implies missing value or nothing worth mentioning. Hence, we will fill them with “unknown” in the case of categorical data such as sales channel, and the mean value in the case of numerical data such as net margin.</a:t>
             </a:r>
-            <a:endParaRPr lang="en-US" sz="1600" dirty="0" smtClean="0">
-              <a:solidFill>
-                <a:srgbClr val="7F7F7F"/>
-              </a:solidFill>
-            </a:endParaRPr>
           </a:p>
           <a:p>
             <a:pPr marL="0" indent="0">
@@ -4006,7 +4033,7 @@
             </a:pPr>
             <a:r>
               <a:rPr lang="en-US" sz="2800" dirty="0" smtClean="0"/>
-              <a:t>Future implications</a:t>
+              <a:t>Next steps</a:t>
             </a:r>
           </a:p>
           <a:p>
@@ -4080,7 +4107,7 @@
         </p:blipFill>
         <p:spPr>
           <a:xfrm>
-            <a:off x="1177745" y="1806222"/>
+            <a:off x="1177745" y="1888152"/>
             <a:ext cx="6788509" cy="3960041"/>
           </a:xfrm>
           <a:prstGeom prst="rect">
@@ -4100,7 +4127,7 @@
         </p:nvSpPr>
         <p:spPr>
           <a:xfrm>
-            <a:off x="635694" y="1000529"/>
+            <a:off x="635694" y="1137079"/>
             <a:ext cx="7889546" cy="805693"/>
           </a:xfrm>
         </p:spPr>
@@ -4169,23 +4196,7 @@
                   <a:srgbClr val="3366FF"/>
                 </a:solidFill>
               </a:rPr>
-              <a:t>Scenario </a:t>
-            </a:r>
-            <a:r>
-              <a:rPr lang="mr-IN" sz="2800" b="1" dirty="0" smtClean="0">
-                <a:solidFill>
-                  <a:srgbClr val="3366FF"/>
-                </a:solidFill>
-              </a:rPr>
-              <a:t>–</a:t>
-            </a:r>
-            <a:r>
-              <a:rPr lang="en-US" sz="2800" b="1" dirty="0" smtClean="0">
-                <a:solidFill>
-                  <a:srgbClr val="3366FF"/>
-                </a:solidFill>
-              </a:rPr>
-              <a:t> Decreasing forecasted consumption</a:t>
+              <a:t>Scenario - Forecast shows power subscription to decrease in the future</a:t>
             </a:r>
             <a:endParaRPr lang="en-US" sz="2800" b="1" dirty="0">
               <a:solidFill>
@@ -4363,7 +4374,7 @@
             </a:pPr>
             <a:r>
               <a:rPr lang="en-US" sz="2000" b="1" dirty="0" smtClean="0"/>
-              <a:t>So how do we find customers most likely to churn and prevent them from defecting to competitors?</a:t>
+              <a:t>Can we identify customers more likely to churn? Is there pre-emptive action we can take to prevent defection to competitors?</a:t>
             </a:r>
             <a:endParaRPr lang="en-US" sz="2000" b="1" dirty="0"/>
           </a:p>
@@ -4465,7 +4476,7 @@
           <p:nvPr>
             <p:extLst>
               <p:ext uri="{D42A27DB-BD31-4B8C-83A1-F6EECF244321}">
-                <p14:modId xmlns:p14="http://schemas.microsoft.com/office/powerpoint/2010/main" val="3640676590"/>
+                <p14:modId xmlns:p14="http://schemas.microsoft.com/office/powerpoint/2010/main" val="692503204"/>
               </p:ext>
             </p:extLst>
           </p:nvPr>
@@ -4849,11 +4860,11 @@
                     <a:p>
                       <a:r>
                         <a:rPr lang="en-US" sz="1600" dirty="0" smtClean="0"/>
-                        <a:t>Many randomized</a:t>
+                        <a:t>Corrects over fitting by implementing</a:t>
                       </a:r>
                       <a:r>
                         <a:rPr lang="en-US" sz="1600" baseline="0" dirty="0" smtClean="0"/>
-                        <a:t> decision trees implemented together</a:t>
+                        <a:t> many decision trees</a:t>
                       </a:r>
                       <a:endParaRPr lang="en-US" sz="1600" dirty="0"/>
                     </a:p>
@@ -5175,6 +5186,43 @@
           </a:p>
         </p:txBody>
       </p:sp>
+      <p:sp>
+        <p:nvSpPr>
+          <p:cNvPr id="10" name="TextBox 9"/>
+          <p:cNvSpPr txBox="1"/>
+          <p:nvPr/>
+        </p:nvSpPr>
+        <p:spPr>
+          <a:xfrm>
+            <a:off x="4572622" y="5563901"/>
+            <a:ext cx="3525034" cy="830997"/>
+          </a:xfrm>
+          <a:prstGeom prst="rect">
+            <a:avLst/>
+          </a:prstGeom>
+          <a:noFill/>
+          <a:ln>
+            <a:solidFill>
+              <a:srgbClr val="3366FF"/>
+            </a:solidFill>
+          </a:ln>
+        </p:spPr>
+        <p:txBody>
+          <a:bodyPr wrap="square" rtlCol="0">
+            <a:spAutoFit/>
+          </a:bodyPr>
+          <a:lstStyle/>
+          <a:p>
+            <a:endParaRPr lang="en-US" sz="1600" dirty="0" smtClean="0"/>
+          </a:p>
+          <a:p>
+            <a:endParaRPr lang="en-US" sz="1600" dirty="0"/>
+          </a:p>
+          <a:p>
+            <a:endParaRPr lang="en-US" sz="1600" dirty="0"/>
+          </a:p>
+        </p:txBody>
+      </p:sp>
     </p:spTree>
     <p:extLst>
       <p:ext uri="{BB962C8B-B14F-4D97-AF65-F5344CB8AC3E}">
@@ -5258,8 +5306,8 @@
         </p:nvSpPr>
         <p:spPr>
           <a:xfrm>
-            <a:off x="457200" y="4110021"/>
-            <a:ext cx="8229600" cy="2747979"/>
+            <a:off x="457200" y="4110022"/>
+            <a:ext cx="8229600" cy="2553402"/>
           </a:xfrm>
         </p:spPr>
         <p:txBody>
@@ -5275,8 +5323,17 @@
             </a:pPr>
             <a:r>
               <a:rPr lang="en-US" sz="1400" dirty="0" smtClean="0"/>
-              <a:t>Seems to have a high price elasticity, due to high importance to net margin and gross margin. This clearly follows the SME head’s view of customer defects to competitors</a:t>
-            </a:r>
+              <a:t>High price elasticity can be assumed due to high importance to net margin and gross margin</a:t>
+            </a:r>
+          </a:p>
+          <a:p>
+            <a:pPr marL="0" indent="0">
+              <a:lnSpc>
+                <a:spcPct val="120000"/>
+              </a:lnSpc>
+              <a:buNone/>
+            </a:pPr>
+            <a:endParaRPr lang="en-US" sz="400" dirty="0" smtClean="0"/>
           </a:p>
           <a:p>
             <a:pPr>
@@ -5286,8 +5343,17 @@
             </a:pPr>
             <a:r>
               <a:rPr lang="en-US" sz="1400" dirty="0" smtClean="0"/>
-              <a:t>Contracts activated towards the end of the dataset timeline are more likely to result in customers churning. This may be due to changes in market landscape, such as increase in competition due to liberalization of European energy market</a:t>
-            </a:r>
+              <a:t>Later activated contracts more likely to result in customers churning. This may be due to changes in market landscape, such as increase in competition due to liberalization of European energy market</a:t>
+            </a:r>
+          </a:p>
+          <a:p>
+            <a:pPr marL="0" indent="0">
+              <a:lnSpc>
+                <a:spcPct val="120000"/>
+              </a:lnSpc>
+              <a:buNone/>
+            </a:pPr>
+            <a:endParaRPr lang="en-US" sz="400" dirty="0" smtClean="0"/>
           </a:p>
           <a:p>
             <a:pPr>
@@ -5297,16 +5363,25 @@
             </a:pPr>
             <a:r>
               <a:rPr lang="en-US" sz="1400" dirty="0" smtClean="0"/>
-              <a:t>The electricity campaign represented by </a:t>
-            </a:r>
-            <a:r>
-              <a:rPr lang="en-US" sz="1400" u="sng" dirty="0" err="1"/>
+              <a:t>Poor performance of </a:t>
+            </a:r>
+            <a:r>
+              <a:rPr lang="en-US" sz="1400" u="sng" dirty="0" err="1" smtClean="0"/>
               <a:t>lxidpiddsbxsbosboudacockeimpuepw</a:t>
             </a:r>
             <a:r>
               <a:rPr lang="en-US" sz="1400" dirty="0" smtClean="0"/>
-              <a:t> has not performed well. We could look into issues related to transparency of campaign details, and levels of customer engagement</a:t>
-            </a:r>
+              <a:t> campaign. We could look into issues related to transparency of campaign details, and levels of customer engagement</a:t>
+            </a:r>
+          </a:p>
+          <a:p>
+            <a:pPr marL="0" indent="0">
+              <a:lnSpc>
+                <a:spcPct val="120000"/>
+              </a:lnSpc>
+              <a:buNone/>
+            </a:pPr>
+            <a:endParaRPr lang="en-US" sz="400" dirty="0" smtClean="0"/>
           </a:p>
           <a:p>
             <a:pPr>
@@ -5316,7 +5391,7 @@
             </a:pPr>
             <a:r>
               <a:rPr lang="en-US" sz="1400" dirty="0" smtClean="0"/>
-              <a:t>Last month’s consumption is also highly weighted with low consumption more likely to result in customers defecting. This implies that customers are gradually decreasing consumption before defecting</a:t>
+              <a:t>Lower consumptions for previous month more likely to result in customers defecting. This implies that customers are gradually decreasing consumption before defecting</a:t>
             </a:r>
             <a:endParaRPr lang="en-US" sz="1400" dirty="0"/>
           </a:p>
@@ -5413,7 +5488,7 @@
                   <a:srgbClr val="3366FF"/>
                 </a:solidFill>
               </a:rPr>
-              <a:t>A closer look at sales channels tells us something important! </a:t>
+              <a:t>We can see that one of the sales channels is performing poorly</a:t>
             </a:r>
             <a:endParaRPr lang="en-US" sz="2800" b="1" dirty="0">
               <a:solidFill>
@@ -5423,82 +5498,712 @@
           </a:p>
         </p:txBody>
       </p:sp>
-      <p:pic>
-        <p:nvPicPr>
-          <p:cNvPr id="4" name="Picture 3" descr="Screen Shot 2017-12-05 at 14.26.09.png"/>
-          <p:cNvPicPr>
-            <a:picLocks noChangeAspect="1"/>
-          </p:cNvPicPr>
+      <p:sp>
+        <p:nvSpPr>
+          <p:cNvPr id="23" name="TextBox 22"/>
+          <p:cNvSpPr txBox="1"/>
           <p:nvPr/>
-        </p:nvPicPr>
-        <p:blipFill>
-          <a:blip r:embed="rId2">
-            <a:extLst>
-              <a:ext uri="{28A0092B-C50C-407E-A947-70E740481C1C}">
-                <a14:useLocalDpi xmlns:a14="http://schemas.microsoft.com/office/drawing/2010/main" val="0"/>
-              </a:ext>
-            </a:extLst>
-          </a:blip>
-          <a:stretch>
-            <a:fillRect/>
-          </a:stretch>
-        </p:blipFill>
+        </p:nvSpPr>
         <p:spPr>
           <a:xfrm>
-            <a:off x="457200" y="1447378"/>
-            <a:ext cx="3429000" cy="4310062"/>
+            <a:off x="6581904" y="2783691"/>
+            <a:ext cx="2403351" cy="3156249"/>
           </a:xfrm>
           <a:prstGeom prst="rect">
             <a:avLst/>
           </a:prstGeom>
+          <a:noFill/>
+          <a:ln>
+            <a:solidFill>
+              <a:srgbClr val="3366FF"/>
+            </a:solidFill>
+          </a:ln>
         </p:spPr>
-      </p:pic>
-      <p:pic>
-        <p:nvPicPr>
-          <p:cNvPr id="6" name="Picture 5" descr="Screen Shot 2017-12-05 at 14.28.51.png"/>
-          <p:cNvPicPr>
-            <a:picLocks noChangeAspect="1"/>
-          </p:cNvPicPr>
-          <p:nvPr/>
-        </p:nvPicPr>
-        <p:blipFill>
-          <a:blip r:embed="rId3">
-            <a:extLst>
-              <a:ext uri="{28A0092B-C50C-407E-A947-70E740481C1C}">
-                <a14:useLocalDpi xmlns:a14="http://schemas.microsoft.com/office/drawing/2010/main" val="0"/>
-              </a:ext>
-            </a:extLst>
-          </a:blip>
-          <a:stretch>
-            <a:fillRect/>
-          </a:stretch>
-        </p:blipFill>
-        <p:spPr>
-          <a:xfrm>
-            <a:off x="5078317" y="1644172"/>
-            <a:ext cx="3429000" cy="547487"/>
-          </a:xfrm>
-          <a:prstGeom prst="rect">
-            <a:avLst/>
-          </a:prstGeom>
-        </p:spPr>
-      </p:pic>
+        <p:txBody>
+          <a:bodyPr wrap="square" rtlCol="0">
+            <a:spAutoFit/>
+          </a:bodyPr>
+          <a:lstStyle/>
+          <a:p>
+            <a:pPr>
+              <a:lnSpc>
+                <a:spcPct val="120000"/>
+              </a:lnSpc>
+            </a:pPr>
+            <a:r>
+              <a:rPr lang="en-US" sz="1400" dirty="0"/>
+              <a:t>9 out of 10 </a:t>
+            </a:r>
+            <a:r>
+              <a:rPr lang="en-US" sz="1400" dirty="0" smtClean="0"/>
+              <a:t>customers that </a:t>
+            </a:r>
+            <a:r>
+              <a:rPr lang="en-US" sz="1400" dirty="0"/>
+              <a:t>are </a:t>
+            </a:r>
+            <a:r>
+              <a:rPr lang="en-US" sz="1400" dirty="0" smtClean="0"/>
+              <a:t>churning are consuming through this channel!</a:t>
+            </a:r>
+            <a:endParaRPr lang="en-US" sz="1400" dirty="0" smtClean="0"/>
+          </a:p>
+          <a:p>
+            <a:pPr>
+              <a:lnSpc>
+                <a:spcPct val="120000"/>
+              </a:lnSpc>
+            </a:pPr>
+            <a:endParaRPr lang="en-US" sz="300" dirty="0">
+              <a:solidFill>
+                <a:srgbClr val="3366FF"/>
+              </a:solidFill>
+            </a:endParaRPr>
+          </a:p>
+          <a:p>
+            <a:pPr>
+              <a:lnSpc>
+                <a:spcPct val="120000"/>
+              </a:lnSpc>
+            </a:pPr>
+            <a:endParaRPr lang="en-US" sz="300" dirty="0" smtClean="0"/>
+          </a:p>
+          <a:p>
+            <a:pPr>
+              <a:lnSpc>
+                <a:spcPct val="120000"/>
+              </a:lnSpc>
+            </a:pPr>
+            <a:endParaRPr lang="en-US" sz="300" dirty="0"/>
+          </a:p>
+          <a:p>
+            <a:pPr>
+              <a:lnSpc>
+                <a:spcPct val="120000"/>
+              </a:lnSpc>
+            </a:pPr>
+            <a:r>
+              <a:rPr lang="en-US" sz="1400" dirty="0" smtClean="0"/>
+              <a:t>Important because high probability assigned to churning customer consuming through this channel</a:t>
+            </a:r>
+          </a:p>
+          <a:p>
+            <a:pPr>
+              <a:lnSpc>
+                <a:spcPct val="120000"/>
+              </a:lnSpc>
+            </a:pPr>
+            <a:endParaRPr lang="en-US" sz="1400" dirty="0"/>
+          </a:p>
+          <a:p>
+            <a:pPr>
+              <a:lnSpc>
+                <a:spcPct val="120000"/>
+              </a:lnSpc>
+            </a:pPr>
+            <a:r>
+              <a:rPr lang="en-US" sz="1400" dirty="0" smtClean="0"/>
+              <a:t>Also important because this channel is the significantly most widely used channel!</a:t>
+            </a:r>
+            <a:endParaRPr lang="en-US" sz="1400" dirty="0" smtClean="0"/>
+          </a:p>
+          <a:p>
+            <a:pPr>
+              <a:lnSpc>
+                <a:spcPct val="120000"/>
+              </a:lnSpc>
+            </a:pPr>
+            <a:endParaRPr lang="en-US" sz="300" dirty="0" smtClean="0"/>
+          </a:p>
+        </p:txBody>
+      </p:sp>
+      <p:graphicFrame>
+        <p:nvGraphicFramePr>
+          <p:cNvPr id="3" name="Table 2"/>
+          <p:cNvGraphicFramePr>
+            <a:graphicFrameLocks noGrp="1"/>
+          </p:cNvGraphicFramePr>
+          <p:nvPr>
+            <p:extLst>
+              <p:ext uri="{D42A27DB-BD31-4B8C-83A1-F6EECF244321}">
+                <p14:modId xmlns:p14="http://schemas.microsoft.com/office/powerpoint/2010/main" val="22194779"/>
+              </p:ext>
+            </p:extLst>
+          </p:nvPr>
+        </p:nvGraphicFramePr>
+        <p:xfrm>
+          <a:off x="566441" y="1530293"/>
+          <a:ext cx="5810633" cy="4565454"/>
+        </p:xfrm>
+        <a:graphic>
+          <a:graphicData uri="http://schemas.openxmlformats.org/drawingml/2006/table">
+            <a:tbl>
+              <a:tblPr firstRow="1" bandRow="1">
+                <a:tableStyleId>{2D5ABB26-0587-4C30-8999-92F81FD0307C}</a:tableStyleId>
+              </a:tblPr>
+              <a:tblGrid>
+                <a:gridCol w="3188795"/>
+                <a:gridCol w="1215331"/>
+                <a:gridCol w="1406507"/>
+              </a:tblGrid>
+              <a:tr h="534642">
+                <a:tc>
+                  <a:txBody>
+                    <a:bodyPr/>
+                    <a:lstStyle/>
+                    <a:p>
+                      <a:pPr algn="ctr"/>
+                      <a:r>
+                        <a:rPr lang="en-US" sz="1600" dirty="0" smtClean="0">
+                          <a:solidFill>
+                            <a:srgbClr val="3366FF"/>
+                          </a:solidFill>
+                        </a:rPr>
+                        <a:t>Sales channel</a:t>
+                      </a:r>
+                      <a:endParaRPr lang="en-US" sz="1600" dirty="0">
+                        <a:solidFill>
+                          <a:srgbClr val="3366FF"/>
+                        </a:solidFill>
+                      </a:endParaRPr>
+                    </a:p>
+                  </a:txBody>
+                  <a:tcPr anchor="ctr">
+                    <a:lnT w="12700" cap="flat" cmpd="sng" algn="ctr">
+                      <a:solidFill>
+                        <a:scrgbClr r="0" g="0" b="0"/>
+                      </a:solidFill>
+                      <a:prstDash val="solid"/>
+                      <a:round/>
+                      <a:headEnd type="none" w="med" len="med"/>
+                      <a:tailEnd type="none" w="med" len="med"/>
+                    </a:lnT>
+                    <a:lnB w="12700" cap="flat" cmpd="sng" algn="ctr">
+                      <a:solidFill>
+                        <a:scrgbClr r="0" g="0" b="0"/>
+                      </a:solidFill>
+                      <a:prstDash val="solid"/>
+                      <a:round/>
+                      <a:headEnd type="none" w="med" len="med"/>
+                      <a:tailEnd type="none" w="med" len="med"/>
+                    </a:lnB>
+                  </a:tcPr>
+                </a:tc>
+                <a:tc>
+                  <a:txBody>
+                    <a:bodyPr/>
+                    <a:lstStyle/>
+                    <a:p>
+                      <a:pPr algn="ctr"/>
+                      <a:r>
+                        <a:rPr lang="en-US" sz="1600" dirty="0" smtClean="0">
+                          <a:solidFill>
+                            <a:srgbClr val="3366FF"/>
+                          </a:solidFill>
+                        </a:rPr>
+                        <a:t>Customers</a:t>
+                      </a:r>
+                      <a:r>
+                        <a:rPr lang="en-US" sz="1600" baseline="0" dirty="0" smtClean="0">
+                          <a:solidFill>
+                            <a:srgbClr val="3366FF"/>
+                          </a:solidFill>
+                        </a:rPr>
+                        <a:t> (%)</a:t>
+                      </a:r>
+                      <a:endParaRPr lang="en-US" sz="1600" dirty="0">
+                        <a:solidFill>
+                          <a:srgbClr val="3366FF"/>
+                        </a:solidFill>
+                      </a:endParaRPr>
+                    </a:p>
+                  </a:txBody>
+                  <a:tcPr anchor="ctr">
+                    <a:lnT w="12700" cap="flat" cmpd="sng" algn="ctr">
+                      <a:solidFill>
+                        <a:scrgbClr r="0" g="0" b="0"/>
+                      </a:solidFill>
+                      <a:prstDash val="solid"/>
+                      <a:round/>
+                      <a:headEnd type="none" w="med" len="med"/>
+                      <a:tailEnd type="none" w="med" len="med"/>
+                    </a:lnT>
+                    <a:lnB w="12700" cap="flat" cmpd="sng" algn="ctr">
+                      <a:solidFill>
+                        <a:scrgbClr r="0" g="0" b="0"/>
+                      </a:solidFill>
+                      <a:prstDash val="solid"/>
+                      <a:round/>
+                      <a:headEnd type="none" w="med" len="med"/>
+                      <a:tailEnd type="none" w="med" len="med"/>
+                    </a:lnB>
+                  </a:tcPr>
+                </a:tc>
+                <a:tc>
+                  <a:txBody>
+                    <a:bodyPr/>
+                    <a:lstStyle/>
+                    <a:p>
+                      <a:pPr algn="ctr"/>
+                      <a:r>
+                        <a:rPr lang="en-US" sz="1600" dirty="0" smtClean="0">
+                          <a:solidFill>
+                            <a:srgbClr val="3366FF"/>
+                          </a:solidFill>
+                        </a:rPr>
+                        <a:t>Probability</a:t>
+                      </a:r>
+                      <a:r>
+                        <a:rPr lang="en-US" sz="1600" baseline="0" dirty="0" smtClean="0">
+                          <a:solidFill>
+                            <a:srgbClr val="3366FF"/>
+                          </a:solidFill>
+                        </a:rPr>
+                        <a:t> of churn given channel</a:t>
+                      </a:r>
+                      <a:endParaRPr lang="en-US" sz="1600" dirty="0">
+                        <a:solidFill>
+                          <a:srgbClr val="3366FF"/>
+                        </a:solidFill>
+                      </a:endParaRPr>
+                    </a:p>
+                  </a:txBody>
+                  <a:tcPr anchor="ctr">
+                    <a:lnT w="12700" cap="flat" cmpd="sng" algn="ctr">
+                      <a:solidFill>
+                        <a:scrgbClr r="0" g="0" b="0"/>
+                      </a:solidFill>
+                      <a:prstDash val="solid"/>
+                      <a:round/>
+                      <a:headEnd type="none" w="med" len="med"/>
+                      <a:tailEnd type="none" w="med" len="med"/>
+                    </a:lnT>
+                    <a:lnB w="12700" cap="flat" cmpd="sng" algn="ctr">
+                      <a:solidFill>
+                        <a:scrgbClr r="0" g="0" b="0"/>
+                      </a:solidFill>
+                      <a:prstDash val="solid"/>
+                      <a:round/>
+                      <a:headEnd type="none" w="med" len="med"/>
+                      <a:tailEnd type="none" w="med" len="med"/>
+                    </a:lnB>
+                  </a:tcPr>
+                </a:tc>
+              </a:tr>
+              <a:tr h="534642">
+                <a:tc>
+                  <a:txBody>
+                    <a:bodyPr/>
+                    <a:lstStyle/>
+                    <a:p>
+                      <a:r>
+                        <a:rPr lang="en-US" sz="1600" dirty="0" err="1" smtClean="0"/>
+                        <a:t>foodsfpfkusacimwkcsosbicdxkicaua</a:t>
+                      </a:r>
+                      <a:endParaRPr lang="en-US" sz="1600" dirty="0"/>
+                    </a:p>
+                  </a:txBody>
+                  <a:tcPr anchor="ctr">
+                    <a:lnT w="12700" cap="flat" cmpd="sng" algn="ctr">
+                      <a:solidFill>
+                        <a:scrgbClr r="0" g="0" b="0"/>
+                      </a:solidFill>
+                      <a:prstDash val="solid"/>
+                      <a:round/>
+                      <a:headEnd type="none" w="med" len="med"/>
+                      <a:tailEnd type="none" w="med" len="med"/>
+                    </a:lnT>
+                  </a:tcPr>
+                </a:tc>
+                <a:tc>
+                  <a:txBody>
+                    <a:bodyPr/>
+                    <a:lstStyle/>
+                    <a:p>
+                      <a:pPr algn="ctr"/>
+                      <a:r>
+                        <a:rPr lang="en-US" sz="1600" b="1" dirty="0" smtClean="0"/>
+                        <a:t>60.34%</a:t>
+                      </a:r>
+                      <a:endParaRPr lang="en-US" sz="1600" b="1" dirty="0"/>
+                    </a:p>
+                  </a:txBody>
+                  <a:tcPr anchor="ctr">
+                    <a:lnT w="12700" cap="flat" cmpd="sng" algn="ctr">
+                      <a:solidFill>
+                        <a:scrgbClr r="0" g="0" b="0"/>
+                      </a:solidFill>
+                      <a:prstDash val="solid"/>
+                      <a:round/>
+                      <a:headEnd type="none" w="med" len="med"/>
+                      <a:tailEnd type="none" w="med" len="med"/>
+                    </a:lnT>
+                  </a:tcPr>
+                </a:tc>
+                <a:tc>
+                  <a:txBody>
+                    <a:bodyPr/>
+                    <a:lstStyle/>
+                    <a:p>
+                      <a:pPr algn="ctr"/>
+                      <a:r>
+                        <a:rPr lang="en-US" sz="1600" b="1" dirty="0" smtClean="0">
+                          <a:solidFill>
+                            <a:srgbClr val="FF0000"/>
+                          </a:solidFill>
+                        </a:rPr>
+                        <a:t>0.9</a:t>
+                      </a:r>
+                      <a:endParaRPr lang="en-US" sz="1600" b="1" dirty="0">
+                        <a:solidFill>
+                          <a:srgbClr val="FF0000"/>
+                        </a:solidFill>
+                      </a:endParaRPr>
+                    </a:p>
+                  </a:txBody>
+                  <a:tcPr anchor="ctr">
+                    <a:lnT w="12700" cap="flat" cmpd="sng" algn="ctr">
+                      <a:solidFill>
+                        <a:scrgbClr r="0" g="0" b="0"/>
+                      </a:solidFill>
+                      <a:prstDash val="solid"/>
+                      <a:round/>
+                      <a:headEnd type="none" w="med" len="med"/>
+                      <a:tailEnd type="none" w="med" len="med"/>
+                    </a:lnT>
+                  </a:tcPr>
+                </a:tc>
+              </a:tr>
+              <a:tr h="534642">
+                <a:tc>
+                  <a:txBody>
+                    <a:bodyPr/>
+                    <a:lstStyle/>
+                    <a:p>
+                      <a:r>
+                        <a:rPr lang="en-US" sz="1600" dirty="0" err="1" smtClean="0"/>
+                        <a:t>lmkebamcaaclubfxadlmueccxoimlema</a:t>
+                      </a:r>
+                      <a:endParaRPr lang="en-US" sz="1600" dirty="0"/>
+                    </a:p>
+                  </a:txBody>
+                  <a:tcPr anchor="ctr"/>
+                </a:tc>
+                <a:tc>
+                  <a:txBody>
+                    <a:bodyPr/>
+                    <a:lstStyle/>
+                    <a:p>
+                      <a:pPr algn="ctr"/>
+                      <a:r>
+                        <a:rPr lang="en-US" sz="1600" dirty="0" smtClean="0"/>
+                        <a:t>17.79%</a:t>
+                      </a:r>
+                      <a:endParaRPr lang="en-US" sz="1600" dirty="0"/>
+                    </a:p>
+                  </a:txBody>
+                  <a:tcPr anchor="ctr"/>
+                </a:tc>
+                <a:tc>
+                  <a:txBody>
+                    <a:bodyPr/>
+                    <a:lstStyle/>
+                    <a:p>
+                      <a:pPr algn="ctr"/>
+                      <a:r>
+                        <a:rPr lang="en-US" sz="1600" dirty="0" smtClean="0"/>
+                        <a:t>0</a:t>
+                      </a:r>
+                      <a:endParaRPr lang="en-US" sz="1600" dirty="0"/>
+                    </a:p>
+                  </a:txBody>
+                  <a:tcPr anchor="ctr"/>
+                </a:tc>
+              </a:tr>
+              <a:tr h="534642">
+                <a:tc>
+                  <a:txBody>
+                    <a:bodyPr/>
+                    <a:lstStyle/>
+                    <a:p>
+                      <a:r>
+                        <a:rPr lang="en-US" sz="1600" dirty="0" err="1" smtClean="0"/>
+                        <a:t>usilxuppasemubllopkaafesmlibmsdf</a:t>
+                      </a:r>
+                      <a:endParaRPr lang="en-US" sz="1600" dirty="0"/>
+                    </a:p>
+                  </a:txBody>
+                  <a:tcPr anchor="ctr"/>
+                </a:tc>
+                <a:tc>
+                  <a:txBody>
+                    <a:bodyPr/>
+                    <a:lstStyle/>
+                    <a:p>
+                      <a:pPr algn="ctr"/>
+                      <a:r>
+                        <a:rPr lang="en-US" sz="1600" dirty="0" smtClean="0"/>
+                        <a:t>13.21%</a:t>
+                      </a:r>
+                      <a:endParaRPr lang="en-US" sz="1600" dirty="0"/>
+                    </a:p>
+                  </a:txBody>
+                  <a:tcPr anchor="ctr"/>
+                </a:tc>
+                <a:tc>
+                  <a:txBody>
+                    <a:bodyPr/>
+                    <a:lstStyle/>
+                    <a:p>
+                      <a:pPr algn="ctr"/>
+                      <a:r>
+                        <a:rPr lang="en-US" sz="1600" dirty="0" smtClean="0"/>
+                        <a:t>0</a:t>
+                      </a:r>
+                      <a:endParaRPr lang="en-US" sz="1600" dirty="0"/>
+                    </a:p>
+                  </a:txBody>
+                  <a:tcPr anchor="ctr"/>
+                </a:tc>
+              </a:tr>
+              <a:tr h="534642">
+                <a:tc>
+                  <a:txBody>
+                    <a:bodyPr/>
+                    <a:lstStyle/>
+                    <a:p>
+                      <a:r>
+                        <a:rPr lang="en-US" sz="1600" dirty="0" err="1" smtClean="0"/>
+                        <a:t>ewpakwlliwisiwduibdlfmalxowmwpci</a:t>
+                      </a:r>
+                      <a:endParaRPr lang="en-US" sz="1600" dirty="0"/>
+                    </a:p>
+                  </a:txBody>
+                  <a:tcPr anchor="ctr"/>
+                </a:tc>
+                <a:tc>
+                  <a:txBody>
+                    <a:bodyPr/>
+                    <a:lstStyle/>
+                    <a:p>
+                      <a:pPr algn="ctr"/>
+                      <a:r>
+                        <a:rPr lang="en-US" sz="1600" dirty="0" smtClean="0"/>
+                        <a:t>8.49%</a:t>
+                      </a:r>
+                      <a:endParaRPr lang="en-US" sz="1600" dirty="0"/>
+                    </a:p>
+                  </a:txBody>
+                  <a:tcPr anchor="ctr"/>
+                </a:tc>
+                <a:tc>
+                  <a:txBody>
+                    <a:bodyPr/>
+                    <a:lstStyle/>
+                    <a:p>
+                      <a:pPr algn="ctr"/>
+                      <a:r>
+                        <a:rPr lang="en-US" sz="1600" dirty="0" smtClean="0"/>
+                        <a:t>0.1</a:t>
+                      </a:r>
+                      <a:endParaRPr lang="en-US" sz="1600" dirty="0"/>
+                    </a:p>
+                  </a:txBody>
+                  <a:tcPr anchor="ctr"/>
+                </a:tc>
+              </a:tr>
+              <a:tr h="534642">
+                <a:tc>
+                  <a:txBody>
+                    <a:bodyPr/>
+                    <a:lstStyle/>
+                    <a:p>
+                      <a:pPr marL="0" marR="0" indent="0" algn="l" defTabSz="457200" rtl="0" eaLnBrk="1" fontAlgn="auto" latinLnBrk="0" hangingPunct="1">
+                        <a:lnSpc>
+                          <a:spcPct val="100000"/>
+                        </a:lnSpc>
+                        <a:spcBef>
+                          <a:spcPts val="0"/>
+                        </a:spcBef>
+                        <a:spcAft>
+                          <a:spcPts val="0"/>
+                        </a:spcAft>
+                        <a:buClrTx/>
+                        <a:buSzTx/>
+                        <a:buFontTx/>
+                        <a:buNone/>
+                        <a:tabLst/>
+                        <a:defRPr/>
+                      </a:pPr>
+                      <a:r>
+                        <a:rPr lang="en-US" sz="1600" dirty="0" err="1" smtClean="0"/>
+                        <a:t>fixdbufsefwooaasfcxdxadsiekoceaa</a:t>
+                      </a:r>
+                      <a:endParaRPr lang="en-US" sz="1600" dirty="0" smtClean="0"/>
+                    </a:p>
+                  </a:txBody>
+                  <a:tcPr anchor="ctr"/>
+                </a:tc>
+                <a:tc>
+                  <a:txBody>
+                    <a:bodyPr/>
+                    <a:lstStyle/>
+                    <a:p>
+                      <a:pPr algn="ctr"/>
+                      <a:r>
+                        <a:rPr lang="en-US" sz="1600" dirty="0" smtClean="0"/>
+                        <a:t>0.07%</a:t>
+                      </a:r>
+                      <a:endParaRPr lang="en-US" sz="1600" dirty="0"/>
+                    </a:p>
+                  </a:txBody>
+                  <a:tcPr anchor="ctr"/>
+                </a:tc>
+                <a:tc>
+                  <a:txBody>
+                    <a:bodyPr/>
+                    <a:lstStyle/>
+                    <a:p>
+                      <a:pPr algn="ctr"/>
+                      <a:r>
+                        <a:rPr lang="en-US" sz="1600" dirty="0" smtClean="0"/>
+                        <a:t>0</a:t>
+                      </a:r>
+                      <a:endParaRPr lang="en-US" sz="1600" dirty="0"/>
+                    </a:p>
+                  </a:txBody>
+                  <a:tcPr anchor="ctr"/>
+                </a:tc>
+              </a:tr>
+              <a:tr h="534642">
+                <a:tc>
+                  <a:txBody>
+                    <a:bodyPr/>
+                    <a:lstStyle/>
+                    <a:p>
+                      <a:r>
+                        <a:rPr lang="en-US" sz="1600" dirty="0" err="1" smtClean="0"/>
+                        <a:t>epumfxlbckeskwekxbiuasklxalciiuu</a:t>
+                      </a:r>
+                      <a:endParaRPr lang="en-US" sz="1600" dirty="0"/>
+                    </a:p>
+                  </a:txBody>
+                  <a:tcPr anchor="ctr"/>
+                </a:tc>
+                <a:tc>
+                  <a:txBody>
+                    <a:bodyPr/>
+                    <a:lstStyle/>
+                    <a:p>
+                      <a:pPr algn="ctr"/>
+                      <a:r>
+                        <a:rPr lang="en-US" sz="1600" dirty="0" smtClean="0"/>
+                        <a:t>0.07%</a:t>
+                      </a:r>
+                      <a:endParaRPr lang="en-US" sz="1600" dirty="0"/>
+                    </a:p>
+                  </a:txBody>
+                  <a:tcPr anchor="ctr"/>
+                </a:tc>
+                <a:tc>
+                  <a:txBody>
+                    <a:bodyPr/>
+                    <a:lstStyle/>
+                    <a:p>
+                      <a:pPr algn="ctr"/>
+                      <a:r>
+                        <a:rPr lang="en-US" sz="1600" dirty="0" smtClean="0"/>
+                        <a:t>0</a:t>
+                      </a:r>
+                      <a:endParaRPr lang="en-US" sz="1600" dirty="0"/>
+                    </a:p>
+                  </a:txBody>
+                  <a:tcPr anchor="ctr"/>
+                </a:tc>
+              </a:tr>
+              <a:tr h="534642">
+                <a:tc>
+                  <a:txBody>
+                    <a:bodyPr/>
+                    <a:lstStyle/>
+                    <a:p>
+                      <a:pPr marL="0" marR="0" indent="0" algn="l" defTabSz="457200" rtl="0" eaLnBrk="1" fontAlgn="auto" latinLnBrk="0" hangingPunct="1">
+                        <a:lnSpc>
+                          <a:spcPct val="100000"/>
+                        </a:lnSpc>
+                        <a:spcBef>
+                          <a:spcPts val="0"/>
+                        </a:spcBef>
+                        <a:spcAft>
+                          <a:spcPts val="0"/>
+                        </a:spcAft>
+                        <a:buClrTx/>
+                        <a:buSzTx/>
+                        <a:buFontTx/>
+                        <a:buNone/>
+                        <a:tabLst/>
+                        <a:defRPr/>
+                      </a:pPr>
+                      <a:r>
+                        <a:rPr lang="en-US" sz="1600" dirty="0" err="1" smtClean="0"/>
+                        <a:t>sddiedcslfslkckwlfkdpoeeailfpeds</a:t>
+                      </a:r>
+                      <a:endParaRPr lang="en-US" sz="1600" dirty="0" smtClean="0"/>
+                    </a:p>
+                  </a:txBody>
+                  <a:tcPr anchor="ctr"/>
+                </a:tc>
+                <a:tc>
+                  <a:txBody>
+                    <a:bodyPr/>
+                    <a:lstStyle/>
+                    <a:p>
+                      <a:pPr algn="ctr"/>
+                      <a:r>
+                        <a:rPr lang="en-US" sz="1600" dirty="0" smtClean="0"/>
+                        <a:t>0.03%</a:t>
+                      </a:r>
+                      <a:endParaRPr lang="en-US" sz="1600" dirty="0"/>
+                    </a:p>
+                  </a:txBody>
+                  <a:tcPr anchor="ctr"/>
+                </a:tc>
+                <a:tc>
+                  <a:txBody>
+                    <a:bodyPr/>
+                    <a:lstStyle/>
+                    <a:p>
+                      <a:pPr algn="ctr"/>
+                      <a:r>
+                        <a:rPr lang="en-US" sz="1600" dirty="0" smtClean="0"/>
+                        <a:t>0</a:t>
+                      </a:r>
+                      <a:endParaRPr lang="en-US" sz="1600" dirty="0"/>
+                    </a:p>
+                  </a:txBody>
+                  <a:tcPr anchor="ctr"/>
+                </a:tc>
+              </a:tr>
+            </a:tbl>
+          </a:graphicData>
+        </a:graphic>
+      </p:graphicFrame>
       <p:cxnSp>
         <p:nvCxnSpPr>
-          <p:cNvPr id="7" name="Straight Connector 6"/>
+          <p:cNvPr id="10" name="Straight Arrow Connector 9"/>
           <p:cNvCxnSpPr/>
           <p:nvPr/>
         </p:nvCxnSpPr>
         <p:spPr>
-          <a:xfrm flipH="1">
-            <a:off x="3987379" y="2565211"/>
-            <a:ext cx="655458" cy="0"/>
+          <a:xfrm flipH="1" flipV="1">
+            <a:off x="6076655" y="2662638"/>
+            <a:ext cx="505250" cy="368673"/>
           </a:xfrm>
-          <a:prstGeom prst="line">
+          <a:prstGeom prst="straightConnector1">
             <a:avLst/>
           </a:prstGeom>
           <a:ln>
-            <a:tailEnd type="triangle" w="lg"/>
+            <a:tailEnd type="arrow"/>
           </a:ln>
           <a:effectLst/>
         </p:spPr>
@@ -5517,292 +6222,6 @@
           </a:fontRef>
         </p:style>
       </p:cxnSp>
-      <p:cxnSp>
-        <p:nvCxnSpPr>
-          <p:cNvPr id="17" name="Straight Connector 16"/>
-          <p:cNvCxnSpPr/>
-          <p:nvPr/>
-        </p:nvCxnSpPr>
-        <p:spPr>
-          <a:xfrm flipH="1">
-            <a:off x="3987379" y="4110376"/>
-            <a:ext cx="655458" cy="0"/>
-          </a:xfrm>
-          <a:prstGeom prst="line">
-            <a:avLst/>
-          </a:prstGeom>
-          <a:ln>
-            <a:tailEnd type="triangle" w="lg"/>
-          </a:ln>
-          <a:effectLst/>
-        </p:spPr>
-        <p:style>
-          <a:lnRef idx="2">
-            <a:schemeClr val="accent1"/>
-          </a:lnRef>
-          <a:fillRef idx="0">
-            <a:schemeClr val="accent1"/>
-          </a:fillRef>
-          <a:effectRef idx="1">
-            <a:schemeClr val="accent1"/>
-          </a:effectRef>
-          <a:fontRef idx="minor">
-            <a:schemeClr val="tx1"/>
-          </a:fontRef>
-        </p:style>
-      </p:cxnSp>
-      <p:cxnSp>
-        <p:nvCxnSpPr>
-          <p:cNvPr id="18" name="Straight Connector 17"/>
-          <p:cNvCxnSpPr/>
-          <p:nvPr/>
-        </p:nvCxnSpPr>
-        <p:spPr>
-          <a:xfrm flipH="1">
-            <a:off x="3987379" y="5134467"/>
-            <a:ext cx="655458" cy="0"/>
-          </a:xfrm>
-          <a:prstGeom prst="line">
-            <a:avLst/>
-          </a:prstGeom>
-          <a:ln>
-            <a:tailEnd type="triangle" w="lg"/>
-          </a:ln>
-          <a:effectLst/>
-        </p:spPr>
-        <p:style>
-          <a:lnRef idx="2">
-            <a:schemeClr val="accent1"/>
-          </a:lnRef>
-          <a:fillRef idx="0">
-            <a:schemeClr val="accent1"/>
-          </a:fillRef>
-          <a:effectRef idx="1">
-            <a:schemeClr val="accent1"/>
-          </a:effectRef>
-          <a:fontRef idx="minor">
-            <a:schemeClr val="tx1"/>
-          </a:fontRef>
-        </p:style>
-      </p:cxnSp>
-      <p:cxnSp>
-        <p:nvCxnSpPr>
-          <p:cNvPr id="19" name="Straight Connector 18"/>
-          <p:cNvCxnSpPr/>
-          <p:nvPr/>
-        </p:nvCxnSpPr>
-        <p:spPr>
-          <a:xfrm flipH="1">
-            <a:off x="3987379" y="5262112"/>
-            <a:ext cx="655458" cy="0"/>
-          </a:xfrm>
-          <a:prstGeom prst="line">
-            <a:avLst/>
-          </a:prstGeom>
-          <a:ln>
-            <a:tailEnd type="triangle" w="lg"/>
-          </a:ln>
-          <a:effectLst/>
-        </p:spPr>
-        <p:style>
-          <a:lnRef idx="2">
-            <a:schemeClr val="accent1"/>
-          </a:lnRef>
-          <a:fillRef idx="0">
-            <a:schemeClr val="accent1"/>
-          </a:fillRef>
-          <a:effectRef idx="1">
-            <a:schemeClr val="accent1"/>
-          </a:effectRef>
-          <a:fontRef idx="minor">
-            <a:schemeClr val="tx1"/>
-          </a:fontRef>
-        </p:style>
-      </p:cxnSp>
-      <p:cxnSp>
-        <p:nvCxnSpPr>
-          <p:cNvPr id="20" name="Straight Connector 19"/>
-          <p:cNvCxnSpPr/>
-          <p:nvPr/>
-        </p:nvCxnSpPr>
-        <p:spPr>
-          <a:xfrm flipH="1">
-            <a:off x="3987379" y="5409758"/>
-            <a:ext cx="655458" cy="0"/>
-          </a:xfrm>
-          <a:prstGeom prst="line">
-            <a:avLst/>
-          </a:prstGeom>
-          <a:ln>
-            <a:tailEnd type="triangle" w="lg"/>
-          </a:ln>
-          <a:effectLst/>
-        </p:spPr>
-        <p:style>
-          <a:lnRef idx="2">
-            <a:schemeClr val="accent1"/>
-          </a:lnRef>
-          <a:fillRef idx="0">
-            <a:schemeClr val="accent1"/>
-          </a:fillRef>
-          <a:effectRef idx="1">
-            <a:schemeClr val="accent1"/>
-          </a:effectRef>
-          <a:fontRef idx="minor">
-            <a:schemeClr val="tx1"/>
-          </a:fontRef>
-        </p:style>
-      </p:cxnSp>
-      <p:cxnSp>
-        <p:nvCxnSpPr>
-          <p:cNvPr id="21" name="Straight Connector 20"/>
-          <p:cNvCxnSpPr/>
-          <p:nvPr/>
-        </p:nvCxnSpPr>
-        <p:spPr>
-          <a:xfrm flipH="1">
-            <a:off x="3987379" y="5537403"/>
-            <a:ext cx="655458" cy="0"/>
-          </a:xfrm>
-          <a:prstGeom prst="line">
-            <a:avLst/>
-          </a:prstGeom>
-          <a:ln>
-            <a:tailEnd type="triangle" w="lg"/>
-          </a:ln>
-          <a:effectLst/>
-        </p:spPr>
-        <p:style>
-          <a:lnRef idx="2">
-            <a:schemeClr val="accent1"/>
-          </a:lnRef>
-          <a:fillRef idx="0">
-            <a:schemeClr val="accent1"/>
-          </a:fillRef>
-          <a:effectRef idx="1">
-            <a:schemeClr val="accent1"/>
-          </a:effectRef>
-          <a:fontRef idx="minor">
-            <a:schemeClr val="tx1"/>
-          </a:fontRef>
-        </p:style>
-      </p:cxnSp>
-      <p:sp>
-        <p:nvSpPr>
-          <p:cNvPr id="23" name="TextBox 22"/>
-          <p:cNvSpPr txBox="1"/>
-          <p:nvPr/>
-        </p:nvSpPr>
-        <p:spPr>
-          <a:xfrm>
-            <a:off x="4929601" y="2360386"/>
-            <a:ext cx="3577716" cy="3451202"/>
-          </a:xfrm>
-          <a:prstGeom prst="rect">
-            <a:avLst/>
-          </a:prstGeom>
-          <a:noFill/>
-        </p:spPr>
-        <p:txBody>
-          <a:bodyPr wrap="square" rtlCol="0">
-            <a:spAutoFit/>
-          </a:bodyPr>
-          <a:lstStyle/>
-          <a:p>
-            <a:pPr>
-              <a:lnSpc>
-                <a:spcPct val="120000"/>
-              </a:lnSpc>
-            </a:pPr>
-            <a:r>
-              <a:rPr lang="en-US" dirty="0">
-                <a:solidFill>
-                  <a:srgbClr val="3366FF"/>
-                </a:solidFill>
-              </a:rPr>
-              <a:t>9 out of 10 customers are consuming through this channel</a:t>
-            </a:r>
-            <a:r>
-              <a:rPr lang="en-US" dirty="0" smtClean="0">
-                <a:solidFill>
-                  <a:srgbClr val="3366FF"/>
-                </a:solidFill>
-              </a:rPr>
-              <a:t>!</a:t>
-            </a:r>
-          </a:p>
-          <a:p>
-            <a:pPr>
-              <a:lnSpc>
-                <a:spcPct val="120000"/>
-              </a:lnSpc>
-            </a:pPr>
-            <a:endParaRPr lang="en-US" sz="400" dirty="0">
-              <a:solidFill>
-                <a:srgbClr val="3366FF"/>
-              </a:solidFill>
-            </a:endParaRPr>
-          </a:p>
-          <a:p>
-            <a:pPr>
-              <a:lnSpc>
-                <a:spcPct val="120000"/>
-              </a:lnSpc>
-            </a:pPr>
-            <a:endParaRPr lang="en-US" sz="400" dirty="0" smtClean="0"/>
-          </a:p>
-          <a:p>
-            <a:pPr>
-              <a:lnSpc>
-                <a:spcPct val="120000"/>
-              </a:lnSpc>
-            </a:pPr>
-            <a:r>
-              <a:rPr lang="en-US" dirty="0" smtClean="0"/>
-              <a:t>Most of the sales channels seem to not play a role in determining the churning of a customer. </a:t>
-            </a:r>
-          </a:p>
-          <a:p>
-            <a:pPr>
-              <a:lnSpc>
-                <a:spcPct val="120000"/>
-              </a:lnSpc>
-            </a:pPr>
-            <a:endParaRPr lang="en-US" sz="400" dirty="0"/>
-          </a:p>
-          <a:p>
-            <a:pPr>
-              <a:lnSpc>
-                <a:spcPct val="120000"/>
-              </a:lnSpc>
-            </a:pPr>
-            <a:r>
-              <a:rPr lang="en-US" dirty="0" smtClean="0"/>
-              <a:t>However, the channel represented by </a:t>
-            </a:r>
-            <a:r>
-              <a:rPr lang="en-US" u="sng" dirty="0" err="1"/>
-              <a:t>foosdfpfkusacimwkcsosbicdxkicaua</a:t>
-            </a:r>
-            <a:r>
-              <a:rPr lang="en-US" dirty="0"/>
-              <a:t> </a:t>
-            </a:r>
-            <a:r>
-              <a:rPr lang="en-US" dirty="0" smtClean="0"/>
-              <a:t>is significantly important in resulting in the customer defecting</a:t>
-            </a:r>
-          </a:p>
-          <a:p>
-            <a:pPr>
-              <a:lnSpc>
-                <a:spcPct val="120000"/>
-              </a:lnSpc>
-            </a:pPr>
-            <a:endParaRPr lang="en-US" sz="400" dirty="0" smtClean="0"/>
-          </a:p>
-        </p:txBody>
-      </p:sp>
     </p:spTree>
     <p:extLst>
       <p:ext uri="{BB962C8B-B14F-4D97-AF65-F5344CB8AC3E}">
@@ -5942,8 +6361,8 @@
         </p:nvSpPr>
         <p:spPr>
           <a:xfrm>
-            <a:off x="7075463" y="1984762"/>
-            <a:ext cx="1937104" cy="4074962"/>
+            <a:off x="7075463" y="2095561"/>
+            <a:ext cx="1937104" cy="3853363"/>
           </a:xfrm>
           <a:prstGeom prst="rect">
             <a:avLst/>
@@ -5964,8 +6383,35 @@
               </a:lnSpc>
             </a:pPr>
             <a:r>
+              <a:rPr lang="en-US" sz="1200" dirty="0"/>
+              <a:t>These graphs show the correlations broken down by sales channels and electricity </a:t>
+            </a:r>
+            <a:r>
               <a:rPr lang="en-US" sz="1200" dirty="0" smtClean="0"/>
-              <a:t>The correlation between overall subscribed power and electricity consumption:</a:t>
+              <a:t>campaigns</a:t>
+            </a:r>
+          </a:p>
+          <a:p>
+            <a:pPr>
+              <a:lnSpc>
+                <a:spcPct val="120000"/>
+              </a:lnSpc>
+            </a:pPr>
+            <a:endParaRPr lang="en-US" sz="1200" dirty="0"/>
+          </a:p>
+          <a:p>
+            <a:pPr>
+              <a:lnSpc>
+                <a:spcPct val="120000"/>
+              </a:lnSpc>
+            </a:pPr>
+            <a:r>
+              <a:rPr lang="en-US" sz="1200" dirty="0" smtClean="0"/>
+              <a:t>The </a:t>
+            </a:r>
+            <a:r>
+              <a:rPr lang="en-US" sz="1200" dirty="0" smtClean="0"/>
+              <a:t>correlation between overall subscribed power and electricity consumption:</a:t>
             </a:r>
           </a:p>
           <a:p>
@@ -6022,28 +6468,41 @@
             </a:pPr>
             <a:r>
               <a:rPr lang="en-US" sz="1200" dirty="0" smtClean="0"/>
-              <a:t>This shows a weak positive correlation, and one that is not strong enough to consider resources spent to increase subscribed power in order to drive consumption</a:t>
-            </a:r>
-          </a:p>
-          <a:p>
-            <a:pPr>
-              <a:lnSpc>
-                <a:spcPct val="120000"/>
-              </a:lnSpc>
-            </a:pPr>
-            <a:endParaRPr lang="en-US" sz="1200" dirty="0"/>
-          </a:p>
-          <a:p>
-            <a:pPr>
-              <a:lnSpc>
-                <a:spcPct val="120000"/>
-              </a:lnSpc>
-            </a:pPr>
+              <a:t>Weak </a:t>
+            </a:r>
             <a:r>
               <a:rPr lang="en-US" sz="1200" dirty="0" smtClean="0"/>
-              <a:t>These graphs show the correlations broken down by sales channels and electricity campaigns</a:t>
-            </a:r>
-            <a:endParaRPr lang="en-US" sz="1200" dirty="0"/>
+              <a:t>positive correlation, </a:t>
+            </a:r>
+            <a:r>
+              <a:rPr lang="en-US" sz="1200" dirty="0" smtClean="0"/>
+              <a:t>not </a:t>
+            </a:r>
+            <a:r>
+              <a:rPr lang="en-US" sz="1200" dirty="0" smtClean="0"/>
+              <a:t>strong enough to </a:t>
+            </a:r>
+            <a:r>
+              <a:rPr lang="en-US" sz="1200" dirty="0" smtClean="0"/>
+              <a:t>spend </a:t>
+            </a:r>
+            <a:r>
+              <a:rPr lang="en-US" sz="1200" dirty="0" smtClean="0"/>
+              <a:t>efforts in </a:t>
+            </a:r>
+            <a:r>
+              <a:rPr lang="en-US" sz="1200" dirty="0" smtClean="0"/>
+              <a:t>increasing </a:t>
+            </a:r>
+            <a:r>
+              <a:rPr lang="en-US" sz="1200" dirty="0" smtClean="0"/>
+              <a:t>subscribed power in order to drive </a:t>
+            </a:r>
+            <a:r>
+              <a:rPr lang="en-US" sz="1200" dirty="0" smtClean="0"/>
+              <a:t>consumption</a:t>
+            </a:r>
+            <a:endParaRPr lang="en-US" sz="1200" dirty="0" smtClean="0"/>
           </a:p>
         </p:txBody>
       </p:sp>
@@ -6168,7 +6627,39 @@
                   <a:srgbClr val="3366FF"/>
                 </a:solidFill>
               </a:rPr>
-              <a:t>Does the 20% discount that keeps customers from defecting help </a:t>
+              <a:t>20</a:t>
+            </a:r>
+            <a:r>
+              <a:rPr lang="en-US" sz="2800" b="1" dirty="0" smtClean="0">
+                <a:solidFill>
+                  <a:srgbClr val="3366FF"/>
+                </a:solidFill>
+              </a:rPr>
+              <a:t>% discount </a:t>
+            </a:r>
+            <a:r>
+              <a:rPr lang="en-US" sz="2800" b="1" dirty="0" smtClean="0">
+                <a:solidFill>
+                  <a:srgbClr val="3366FF"/>
+                </a:solidFill>
+              </a:rPr>
+              <a:t>keeps </a:t>
+            </a:r>
+            <a:r>
+              <a:rPr lang="en-US" sz="2800" b="1" dirty="0" smtClean="0">
+                <a:solidFill>
+                  <a:srgbClr val="3366FF"/>
+                </a:solidFill>
+              </a:rPr>
+              <a:t>customers from defecting </a:t>
+            </a:r>
+            <a:r>
+              <a:rPr lang="en-US" sz="2800" b="1" dirty="0" smtClean="0">
+                <a:solidFill>
+                  <a:srgbClr val="3366FF"/>
+                </a:solidFill>
+              </a:rPr>
+              <a:t>and results in a positive profit to </a:t>
             </a:r>
             <a:r>
               <a:rPr lang="en-US" sz="2800" b="1" dirty="0" err="1" smtClean="0">
@@ -6179,12 +6670,12 @@
               <a:t>PowerCo</a:t>
             </a:r>
             <a:r>
-              <a:rPr lang="en-US" sz="2800" b="1" dirty="0" smtClean="0">
+              <a:rPr lang="en-US" sz="2800" b="1" dirty="0">
                 <a:solidFill>
                   <a:srgbClr val="3366FF"/>
                 </a:solidFill>
               </a:rPr>
-              <a:t> overall?</a:t>
+              <a:t>!</a:t>
             </a:r>
             <a:endParaRPr lang="en-US" sz="2800" b="1" dirty="0">
               <a:solidFill>
@@ -6310,43 +6801,6 @@
           </a:prstGeom>
         </p:spPr>
       </p:pic>
-      <p:sp>
-        <p:nvSpPr>
-          <p:cNvPr id="7" name="TextBox 6"/>
-          <p:cNvSpPr txBox="1"/>
-          <p:nvPr/>
-        </p:nvSpPr>
-        <p:spPr>
-          <a:xfrm>
-            <a:off x="4036879" y="1583930"/>
-            <a:ext cx="4841097" cy="923330"/>
-          </a:xfrm>
-          <a:prstGeom prst="rect">
-            <a:avLst/>
-          </a:prstGeom>
-          <a:noFill/>
-          <a:ln>
-            <a:solidFill>
-              <a:srgbClr val="3366FF"/>
-            </a:solidFill>
-          </a:ln>
-        </p:spPr>
-        <p:txBody>
-          <a:bodyPr wrap="square" rtlCol="0">
-            <a:spAutoFit/>
-          </a:bodyPr>
-          <a:lstStyle/>
-          <a:p>
-            <a:endParaRPr lang="en-US" dirty="0" smtClean="0"/>
-          </a:p>
-          <a:p>
-            <a:endParaRPr lang="en-US" dirty="0"/>
-          </a:p>
-          <a:p>
-            <a:endParaRPr lang="en-US" dirty="0"/>
-          </a:p>
-        </p:txBody>
-      </p:sp>
       <p:pic>
         <p:nvPicPr>
           <p:cNvPr id="10" name="Picture 9" descr="Screen Shot 2017-12-05 at 17.38.30.png"/>
